--- a/documents/工作汇报-何杰.pptx
+++ b/documents/工作汇报-何杰.pptx
@@ -3471,6 +3471,9 @@
         </p:txBody>
       </p:sp>
     </p:spTree>
+    <p:custDataLst>
+      <p:tags r:id="rId2"/>
+    </p:custDataLst>
   </p:cSld>
   <p:clrMapOvr>
     <a:masterClrMapping/>
@@ -5496,6 +5499,16 @@
     <a:masterClrMapping/>
   </p:clrMapOvr>
 </p:sld>
+</file>
+
+<file path=ppt/tags/tag1.xml><?xml version="1.0" encoding="utf-8"?>
+<p:tagLst xmlns:p="http://schemas.openxmlformats.org/presentationml/2006/main">
+  <p:tag name="KSO_WM_TEMPLATE_TOPIC_ID" val="2806177"/>
+  <p:tag name="KSO_WM_TEMPLATE_OUTLINE_ID" val="15"/>
+  <p:tag name="KSO_WM_TEMPLATE_SCENE_ID" val="1"/>
+  <p:tag name="KSO_WM_TEMPLATE_JOB_ID" val="2"/>
+  <p:tag name="KSO_WM_TEMPLATE_TOPIC_DEFAULT" val="1"/>
+</p:tagLst>
 </file>
 
 <file path=ppt/theme/theme1.xml><?xml version="1.0" encoding="utf-8"?>
